--- a/documentacao/sistema/DesenhoDeArquitetura.pptx
+++ b/documentacao/sistema/DesenhoDeArquitetura.pptx
@@ -212,7 +212,7 @@
           <a:p>
             <a:fld id="{0F9B84EA-7D68-4D60-9CB1-D50884785D1C}" type="datetimeFigureOut">
               <a:rPr lang="zh-CN" altLang="en-US" smtClean="0"/>
-              <a:t>2020/12/10</a:t>
+              <a:t>2020/12/13</a:t>
             </a:fld>
             <a:endParaRPr lang="zh-CN" altLang="en-US"/>
           </a:p>
@@ -372,7 +372,7 @@
           <a:p>
             <a:fld id="{D6C8D182-E4C8-4120-9249-FC9774456FFA}" type="datetimeFigureOut">
               <a:rPr lang="zh-CN" altLang="en-US" smtClean="0"/>
-              <a:t>2020/12/10</a:t>
+              <a:t>2020/12/13</a:t>
             </a:fld>
             <a:endParaRPr lang="zh-CN" altLang="en-US"/>
           </a:p>
@@ -714,7 +714,7 @@
           <a:p>
             <a:fld id="{760FBDFE-C587-4B4C-A407-44438C67B59E}" type="datetimeFigureOut">
               <a:rPr lang="zh-CN" altLang="en-US" smtClean="0"/>
-              <a:t>2020/12/10</a:t>
+              <a:t>2020/12/13</a:t>
             </a:fld>
             <a:endParaRPr lang="zh-CN" altLang="en-US"/>
           </a:p>
@@ -880,7 +880,7 @@
           <a:p>
             <a:fld id="{760FBDFE-C587-4B4C-A407-44438C67B59E}" type="datetimeFigureOut">
               <a:rPr lang="zh-CN" altLang="en-US" smtClean="0"/>
-              <a:t>2020/12/10</a:t>
+              <a:t>2020/12/13</a:t>
             </a:fld>
             <a:endParaRPr lang="zh-CN" altLang="en-US"/>
           </a:p>
@@ -1180,7 +1180,7 @@
           <a:p>
             <a:fld id="{760FBDFE-C587-4B4C-A407-44438C67B59E}" type="datetimeFigureOut">
               <a:rPr lang="zh-CN" altLang="en-US" smtClean="0"/>
-              <a:t>2020/12/10</a:t>
+              <a:t>2020/12/13</a:t>
             </a:fld>
             <a:endParaRPr lang="zh-CN" altLang="en-US"/>
           </a:p>
@@ -1432,7 +1432,7 @@
           <a:p>
             <a:fld id="{760FBDFE-C587-4B4C-A407-44438C67B59E}" type="datetimeFigureOut">
               <a:rPr lang="zh-CN" altLang="en-US" smtClean="0"/>
-              <a:t>2020/12/10</a:t>
+              <a:t>2020/12/13</a:t>
             </a:fld>
             <a:endParaRPr lang="zh-CN" altLang="en-US"/>
           </a:p>
@@ -1815,7 +1815,7 @@
           <a:p>
             <a:fld id="{760FBDFE-C587-4B4C-A407-44438C67B59E}" type="datetimeFigureOut">
               <a:rPr lang="zh-CN" altLang="en-US" smtClean="0"/>
-              <a:t>2020/12/10</a:t>
+              <a:t>2020/12/13</a:t>
             </a:fld>
             <a:endParaRPr lang="zh-CN" altLang="en-US"/>
           </a:p>
@@ -2182,7 +2182,7 @@
           <a:p>
             <a:fld id="{760FBDFE-C587-4B4C-A407-44438C67B59E}" type="datetimeFigureOut">
               <a:rPr lang="zh-CN" altLang="en-US" smtClean="0"/>
-              <a:t>2020/12/10</a:t>
+              <a:t>2020/12/13</a:t>
             </a:fld>
             <a:endParaRPr lang="zh-CN" altLang="en-US"/>
           </a:p>
@@ -2313,7 +2313,7 @@
           <a:p>
             <a:fld id="{760FBDFE-C587-4B4C-A407-44438C67B59E}" type="datetimeFigureOut">
               <a:rPr lang="zh-CN" altLang="en-US" smtClean="0"/>
-              <a:t>2020/12/10</a:t>
+              <a:t>2020/12/13</a:t>
             </a:fld>
             <a:endParaRPr lang="zh-CN" altLang="en-US"/>
           </a:p>
@@ -2403,7 +2403,7 @@
           <a:p>
             <a:fld id="{760FBDFE-C587-4B4C-A407-44438C67B59E}" type="datetimeFigureOut">
               <a:rPr lang="zh-CN" altLang="en-US" smtClean="0"/>
-              <a:t>2020/12/10</a:t>
+              <a:t>2020/12/13</a:t>
             </a:fld>
             <a:endParaRPr lang="zh-CN" altLang="en-US"/>
           </a:p>
@@ -2667,7 +2667,7 @@
           <a:p>
             <a:fld id="{9EFD9D74-47D9-4702-A33C-335B63B48DBF}" type="datetimeFigureOut">
               <a:rPr lang="zh-CN" altLang="en-US" smtClean="0"/>
-              <a:t>2020/12/10</a:t>
+              <a:t>2020/12/13</a:t>
             </a:fld>
             <a:endParaRPr lang="zh-CN" altLang="en-US" dirty="0"/>
           </a:p>
@@ -2878,7 +2878,7 @@
           <a:p>
             <a:fld id="{760FBDFE-C587-4B4C-A407-44438C67B59E}" type="datetimeFigureOut">
               <a:rPr lang="zh-CN" altLang="en-US" smtClean="0"/>
-              <a:t>2020/12/10</a:t>
+              <a:t>2020/12/13</a:t>
             </a:fld>
             <a:endParaRPr lang="zh-CN" altLang="en-US"/>
           </a:p>
@@ -3091,7 +3091,7 @@
           <a:p>
             <a:fld id="{760FBDFE-C587-4B4C-A407-44438C67B59E}" type="datetimeFigureOut">
               <a:rPr lang="zh-CN" altLang="en-US" smtClean="0"/>
-              <a:t>2020/12/10</a:t>
+              <a:t>2020/12/13</a:t>
             </a:fld>
             <a:endParaRPr lang="zh-CN" altLang="en-US"/>
           </a:p>
@@ -3550,1688 +3550,42 @@
           <a:chExt cx="0" cy="0"/>
         </a:xfrm>
       </p:grpSpPr>
-      <p:sp>
-        <p:nvSpPr>
-          <p:cNvPr id="67" name="Rectangle 66">
+      <p:pic>
+        <p:nvPicPr>
+          <p:cNvPr id="4" name="Picture 3">
             <a:extLst>
               <a:ext uri="{FF2B5EF4-FFF2-40B4-BE49-F238E27FC236}">
-                <a16:creationId xmlns:a16="http://schemas.microsoft.com/office/drawing/2014/main" id="{B344FDEB-3EDF-4CEE-A50B-78BD2C43793C}"/>
+                <a16:creationId xmlns:a16="http://schemas.microsoft.com/office/drawing/2014/main" id="{7E1DB974-E1C7-4D18-A159-A69298F8CEDD}"/>
               </a:ext>
             </a:extLst>
           </p:cNvPr>
-          <p:cNvSpPr/>
+          <p:cNvPicPr>
+            <a:picLocks noChangeAspect="1"/>
+          </p:cNvPicPr>
           <p:nvPr/>
-        </p:nvSpPr>
+        </p:nvPicPr>
+        <p:blipFill>
+          <a:blip r:embed="rId2"/>
+          <a:stretch>
+            <a:fillRect/>
+          </a:stretch>
+        </p:blipFill>
         <p:spPr>
           <a:xfrm>
-            <a:off x="3397624" y="259976"/>
-            <a:ext cx="8337176" cy="5862918"/>
+            <a:off x="1328057" y="201077"/>
+            <a:ext cx="9535885" cy="6455845"/>
           </a:xfrm>
           <a:prstGeom prst="rect">
             <a:avLst/>
           </a:prstGeom>
         </p:spPr>
-        <p:style>
-          <a:lnRef idx="2">
-            <a:schemeClr val="dk1"/>
-          </a:lnRef>
-          <a:fillRef idx="1">
-            <a:schemeClr val="lt1"/>
-          </a:fillRef>
-          <a:effectRef idx="0">
-            <a:schemeClr val="dk1"/>
-          </a:effectRef>
-          <a:fontRef idx="minor">
-            <a:schemeClr val="dk1"/>
-          </a:fontRef>
-        </p:style>
-        <p:txBody>
-          <a:bodyPr rtlCol="0" anchor="ctr"/>
-          <a:lstStyle/>
-          <a:p>
-            <a:pPr algn="ctr"/>
-            <a:r>
-              <a:rPr lang="en-US" dirty="0"/>
-              <a:t> 	</a:t>
-            </a:r>
-          </a:p>
-        </p:txBody>
-      </p:sp>
-      <p:sp>
-        <p:nvSpPr>
-          <p:cNvPr id="4" name="Flowchart: Magnetic Disk 3"/>
-          <p:cNvSpPr/>
-          <p:nvPr/>
-        </p:nvSpPr>
-        <p:spPr>
-          <a:xfrm>
-            <a:off x="740524" y="420734"/>
-            <a:ext cx="2157543" cy="2180590"/>
-          </a:xfrm>
-          <a:prstGeom prst="flowChartMagneticDisk">
-            <a:avLst/>
-          </a:prstGeom>
-        </p:spPr>
-        <p:style>
-          <a:lnRef idx="2">
-            <a:schemeClr val="accent3">
-              <a:shade val="50000"/>
-            </a:schemeClr>
-          </a:lnRef>
-          <a:fillRef idx="1">
-            <a:schemeClr val="accent3"/>
-          </a:fillRef>
-          <a:effectRef idx="0">
-            <a:schemeClr val="accent3"/>
-          </a:effectRef>
-          <a:fontRef idx="minor">
-            <a:schemeClr val="lt1"/>
-          </a:fontRef>
-        </p:style>
-        <p:txBody>
-          <a:bodyPr rtlCol="0" anchor="ctr"/>
-          <a:lstStyle/>
-          <a:p>
-            <a:pPr algn="ctr"/>
-            <a:endParaRPr lang="pt-PT" altLang="en-US" dirty="0"/>
-          </a:p>
-          <a:p>
-            <a:pPr algn="ctr"/>
-            <a:endParaRPr lang="pt-PT" altLang="en-US" dirty="0"/>
-          </a:p>
-          <a:p>
-            <a:pPr algn="ctr"/>
-            <a:r>
-              <a:rPr lang="pt-PT" altLang="en-US" dirty="0"/>
-              <a:t>Banco de Dados</a:t>
-            </a:r>
-          </a:p>
-          <a:p>
-            <a:pPr algn="ctr"/>
-            <a:r>
-              <a:rPr lang="pt-PT" altLang="en-US" dirty="0"/>
-              <a:t>(SQL Server)</a:t>
-            </a:r>
-          </a:p>
-          <a:p>
-            <a:pPr algn="ctr"/>
-            <a:endParaRPr lang="pt-PT" altLang="en-US" dirty="0"/>
-          </a:p>
-          <a:p>
-            <a:pPr algn="ctr"/>
-            <a:r>
-              <a:rPr lang="pt-PT" altLang="en-US" sz="1400" dirty="0"/>
-              <a:t>Armazena e retorna consultas sobre vagas e voluntários</a:t>
-            </a:r>
-          </a:p>
-          <a:p>
-            <a:pPr algn="ctr"/>
-            <a:endParaRPr lang="en-US" dirty="0"/>
-          </a:p>
-        </p:txBody>
-      </p:sp>
-      <p:sp>
-        <p:nvSpPr>
-          <p:cNvPr id="5" name="Text Box 4"/>
-          <p:cNvSpPr txBox="1"/>
-          <p:nvPr/>
-        </p:nvSpPr>
-        <p:spPr>
-          <a:xfrm>
-            <a:off x="1176020" y="2020570"/>
-            <a:ext cx="2540635" cy="368300"/>
-          </a:xfrm>
-          <a:prstGeom prst="rect">
-            <a:avLst/>
-          </a:prstGeom>
-          <a:noFill/>
-        </p:spPr>
-        <p:txBody>
-          <a:bodyPr wrap="square" rtlCol="0">
-            <a:spAutoFit/>
-          </a:bodyPr>
-          <a:lstStyle/>
-          <a:p>
-            <a:endParaRPr lang="en-US"/>
-          </a:p>
-        </p:txBody>
-      </p:sp>
-      <p:sp>
-        <p:nvSpPr>
-          <p:cNvPr id="8" name="Text Box 7"/>
-          <p:cNvSpPr txBox="1"/>
-          <p:nvPr/>
-        </p:nvSpPr>
-        <p:spPr>
-          <a:xfrm>
-            <a:off x="4925380" y="342811"/>
-            <a:ext cx="5408930" cy="645160"/>
-          </a:xfrm>
-          <a:prstGeom prst="rect">
-            <a:avLst/>
-          </a:prstGeom>
-          <a:noFill/>
-        </p:spPr>
-        <p:txBody>
-          <a:bodyPr wrap="square" rtlCol="0">
-            <a:spAutoFit/>
-          </a:bodyPr>
-          <a:lstStyle/>
-          <a:p>
-            <a:pPr algn="ctr"/>
-            <a:r>
-              <a:rPr lang="pt-PT" altLang="en-US" dirty="0"/>
-              <a:t>Microservices </a:t>
-            </a:r>
-          </a:p>
-          <a:p>
-            <a:pPr algn="ctr"/>
-            <a:r>
-              <a:rPr lang="pt-PT" altLang="en-US" dirty="0"/>
-              <a:t>(Spring Boot)</a:t>
-            </a:r>
-          </a:p>
-        </p:txBody>
-      </p:sp>
-      <p:sp>
-        <p:nvSpPr>
-          <p:cNvPr id="20" name="Rectangle: Rounded Corners 19">
-            <a:extLst>
-              <a:ext uri="{FF2B5EF4-FFF2-40B4-BE49-F238E27FC236}">
-                <a16:creationId xmlns:a16="http://schemas.microsoft.com/office/drawing/2014/main" id="{9412FAEB-7751-49EA-ACC2-5FFBDCB004AE}"/>
-              </a:ext>
-            </a:extLst>
-          </p:cNvPr>
-          <p:cNvSpPr/>
-          <p:nvPr/>
-        </p:nvSpPr>
-        <p:spPr>
-          <a:xfrm>
-            <a:off x="6376500" y="1879802"/>
-            <a:ext cx="1438183" cy="931255"/>
-          </a:xfrm>
-          <a:prstGeom prst="roundRect">
-            <a:avLst/>
-          </a:prstGeom>
-        </p:spPr>
-        <p:style>
-          <a:lnRef idx="2">
-            <a:schemeClr val="accent1">
-              <a:shade val="50000"/>
-            </a:schemeClr>
-          </a:lnRef>
-          <a:fillRef idx="1">
-            <a:schemeClr val="accent1"/>
-          </a:fillRef>
-          <a:effectRef idx="0">
-            <a:schemeClr val="accent1"/>
-          </a:effectRef>
-          <a:fontRef idx="minor">
-            <a:schemeClr val="lt1"/>
-          </a:fontRef>
-        </p:style>
-        <p:txBody>
-          <a:bodyPr rtlCol="0" anchor="ctr"/>
-          <a:lstStyle/>
-          <a:p>
-            <a:pPr algn="ctr"/>
-            <a:endParaRPr lang="pt-BR" dirty="0"/>
-          </a:p>
-          <a:p>
-            <a:pPr algn="ctr"/>
-            <a:r>
-              <a:rPr lang="pt-BR" sz="1000" dirty="0"/>
-              <a:t>ORM</a:t>
-            </a:r>
-          </a:p>
-          <a:p>
-            <a:pPr algn="ctr"/>
-            <a:r>
-              <a:rPr lang="pt-BR" sz="1000" dirty="0"/>
-              <a:t>[</a:t>
-            </a:r>
-            <a:r>
-              <a:rPr lang="pt-BR" sz="1000" dirty="0" err="1"/>
-              <a:t>Component</a:t>
-            </a:r>
-            <a:r>
-              <a:rPr lang="pt-BR" sz="1000" dirty="0"/>
-              <a:t>: JPA]</a:t>
-            </a:r>
-          </a:p>
-          <a:p>
-            <a:pPr algn="ctr"/>
-            <a:endParaRPr lang="pt-BR" sz="1000" dirty="0"/>
-          </a:p>
-          <a:p>
-            <a:pPr algn="ctr"/>
-            <a:r>
-              <a:rPr lang="pt-PT" altLang="en-US" sz="1000" dirty="0"/>
-              <a:t>Gerencia as conexões e as transações</a:t>
-            </a:r>
-          </a:p>
-          <a:p>
-            <a:pPr algn="ctr"/>
-            <a:endParaRPr lang="en-US" dirty="0"/>
-          </a:p>
-        </p:txBody>
-      </p:sp>
-      <p:sp>
-        <p:nvSpPr>
-          <p:cNvPr id="47" name="Rounded Rectangle 8">
-            <a:extLst>
-              <a:ext uri="{FF2B5EF4-FFF2-40B4-BE49-F238E27FC236}">
-                <a16:creationId xmlns:a16="http://schemas.microsoft.com/office/drawing/2014/main" id="{4A4B323F-3723-477B-AFB7-47D376890FAF}"/>
-              </a:ext>
-            </a:extLst>
-          </p:cNvPr>
-          <p:cNvSpPr/>
-          <p:nvPr/>
-        </p:nvSpPr>
-        <p:spPr>
-          <a:xfrm>
-            <a:off x="725199" y="4157495"/>
-            <a:ext cx="1945233" cy="2346077"/>
-          </a:xfrm>
-          <a:prstGeom prst="roundRect">
-            <a:avLst/>
-          </a:prstGeom>
-        </p:spPr>
-        <p:style>
-          <a:lnRef idx="2">
-            <a:schemeClr val="accent1">
-              <a:shade val="50000"/>
-            </a:schemeClr>
-          </a:lnRef>
-          <a:fillRef idx="1">
-            <a:schemeClr val="accent1"/>
-          </a:fillRef>
-          <a:effectRef idx="0">
-            <a:schemeClr val="accent1"/>
-          </a:effectRef>
-          <a:fontRef idx="minor">
-            <a:schemeClr val="lt1"/>
-          </a:fontRef>
-        </p:style>
-        <p:txBody>
-          <a:bodyPr rtlCol="0" anchor="ctr"/>
-          <a:lstStyle/>
-          <a:p>
-            <a:pPr algn="ctr"/>
-            <a:r>
-              <a:rPr lang="pt-PT" altLang="en-US" sz="1200" dirty="0"/>
-              <a:t>Client Side Web Application</a:t>
-            </a:r>
-          </a:p>
-          <a:p>
-            <a:pPr algn="ctr"/>
-            <a:r>
-              <a:rPr lang="pt-PT" altLang="en-US" sz="1200" dirty="0"/>
-              <a:t>[Container: ReactJS, JavaScript, HTML, CSS] </a:t>
-            </a:r>
-          </a:p>
-          <a:p>
-            <a:pPr algn="ctr"/>
-            <a:endParaRPr lang="pt-PT" altLang="en-US" sz="1200" dirty="0"/>
-          </a:p>
-          <a:p>
-            <a:pPr algn="ctr"/>
-            <a:r>
-              <a:rPr lang="pt-PT" altLang="en-US" sz="1200" dirty="0"/>
-              <a:t>Aplicação em ReactJS que roda nos navegadores para visualização por parte dos usuários (Voluntários e Ong´s)</a:t>
-            </a:r>
-          </a:p>
-        </p:txBody>
-      </p:sp>
-      <p:cxnSp>
-        <p:nvCxnSpPr>
-          <p:cNvPr id="108" name="Connector: Elbow 107">
-            <a:extLst>
-              <a:ext uri="{FF2B5EF4-FFF2-40B4-BE49-F238E27FC236}">
-                <a16:creationId xmlns:a16="http://schemas.microsoft.com/office/drawing/2014/main" id="{B2510BC7-4D7C-4DF6-B61F-9276694BBDC1}"/>
-              </a:ext>
-            </a:extLst>
-          </p:cNvPr>
-          <p:cNvCxnSpPr>
-            <a:cxnSpLocks/>
-            <a:stCxn id="20" idx="1"/>
-            <a:endCxn id="4" idx="4"/>
-          </p:cNvCxnSpPr>
-          <p:nvPr/>
-        </p:nvCxnSpPr>
-        <p:spPr>
-          <a:xfrm rot="10800000">
-            <a:off x="2898068" y="1511030"/>
-            <a:ext cx="3478433" cy="834401"/>
-          </a:xfrm>
-          <a:prstGeom prst="bentConnector3">
-            <a:avLst>
-              <a:gd name="adj1" fmla="val 33411"/>
-            </a:avLst>
-          </a:prstGeom>
-          <a:ln>
-            <a:tailEnd type="triangle"/>
-          </a:ln>
-        </p:spPr>
-        <p:style>
-          <a:lnRef idx="1">
-            <a:schemeClr val="accent1"/>
-          </a:lnRef>
-          <a:fillRef idx="0">
-            <a:schemeClr val="accent1"/>
-          </a:fillRef>
-          <a:effectRef idx="0">
-            <a:schemeClr val="accent1"/>
-          </a:effectRef>
-          <a:fontRef idx="minor">
-            <a:schemeClr val="tx1"/>
-          </a:fontRef>
-        </p:style>
-      </p:cxnSp>
-      <p:sp>
-        <p:nvSpPr>
-          <p:cNvPr id="18" name="Rectangle: Rounded Corners 17">
-            <a:extLst>
-              <a:ext uri="{FF2B5EF4-FFF2-40B4-BE49-F238E27FC236}">
-                <a16:creationId xmlns:a16="http://schemas.microsoft.com/office/drawing/2014/main" id="{ACE4AFBA-1ED9-4EEB-BE94-FA223D7D1219}"/>
-              </a:ext>
-            </a:extLst>
-          </p:cNvPr>
-          <p:cNvSpPr/>
-          <p:nvPr/>
-        </p:nvSpPr>
-        <p:spPr>
-          <a:xfrm>
-            <a:off x="9774315" y="420734"/>
-            <a:ext cx="1677161" cy="1286619"/>
-          </a:xfrm>
-          <a:prstGeom prst="roundRect">
-            <a:avLst/>
-          </a:prstGeom>
-        </p:spPr>
-        <p:style>
-          <a:lnRef idx="2">
-            <a:schemeClr val="accent1">
-              <a:shade val="50000"/>
-            </a:schemeClr>
-          </a:lnRef>
-          <a:fillRef idx="1">
-            <a:schemeClr val="accent1"/>
-          </a:fillRef>
-          <a:effectRef idx="0">
-            <a:schemeClr val="accent1"/>
-          </a:effectRef>
-          <a:fontRef idx="minor">
-            <a:schemeClr val="lt1"/>
-          </a:fontRef>
-        </p:style>
-        <p:txBody>
-          <a:bodyPr rtlCol="0" anchor="ctr"/>
-          <a:lstStyle/>
-          <a:p>
-            <a:pPr algn="ctr"/>
-            <a:r>
-              <a:rPr lang="pt-BR" sz="1000" dirty="0"/>
-              <a:t>Arquivo </a:t>
-            </a:r>
-            <a:r>
-              <a:rPr lang="pt-BR" sz="1000" dirty="0" err="1"/>
-              <a:t>Controller</a:t>
-            </a:r>
-            <a:endParaRPr lang="pt-BR" sz="1000" dirty="0"/>
-          </a:p>
-          <a:p>
-            <a:pPr algn="ctr"/>
-            <a:r>
-              <a:rPr lang="pt-BR" sz="1000" dirty="0"/>
-              <a:t>[</a:t>
-            </a:r>
-            <a:r>
-              <a:rPr lang="pt-BR" sz="1000" dirty="0" err="1"/>
-              <a:t>Component</a:t>
-            </a:r>
-            <a:r>
-              <a:rPr lang="pt-BR" sz="1000" dirty="0"/>
-              <a:t>: Spring MVC </a:t>
-            </a:r>
-            <a:r>
-              <a:rPr lang="pt-BR" sz="1000" dirty="0" err="1"/>
-              <a:t>Rest</a:t>
-            </a:r>
-            <a:r>
-              <a:rPr lang="pt-BR" sz="1000" dirty="0"/>
-              <a:t> </a:t>
-            </a:r>
-            <a:r>
-              <a:rPr lang="pt-BR" sz="1000" dirty="0" err="1"/>
-              <a:t>Controller</a:t>
-            </a:r>
-            <a:r>
-              <a:rPr lang="pt-BR" sz="1000" dirty="0"/>
-              <a:t>]</a:t>
-            </a:r>
-          </a:p>
-          <a:p>
-            <a:pPr algn="ctr"/>
-            <a:endParaRPr lang="pt-BR" sz="1000" dirty="0"/>
-          </a:p>
-          <a:p>
-            <a:pPr algn="ctr"/>
-            <a:r>
-              <a:rPr lang="pt-BR" sz="1000" dirty="0"/>
-              <a:t>Importação e exportação dos arquivos</a:t>
-            </a:r>
-            <a:endParaRPr lang="en-US" dirty="0"/>
-          </a:p>
-        </p:txBody>
-      </p:sp>
-      <p:sp>
-        <p:nvSpPr>
-          <p:cNvPr id="19" name="Rectangle: Rounded Corners 18">
-            <a:extLst>
-              <a:ext uri="{FF2B5EF4-FFF2-40B4-BE49-F238E27FC236}">
-                <a16:creationId xmlns:a16="http://schemas.microsoft.com/office/drawing/2014/main" id="{C53396FE-A62D-4029-AFDE-0E607017FC40}"/>
-              </a:ext>
-            </a:extLst>
-          </p:cNvPr>
-          <p:cNvSpPr/>
-          <p:nvPr/>
-        </p:nvSpPr>
-        <p:spPr>
-          <a:xfrm>
-            <a:off x="9977062" y="1818835"/>
-            <a:ext cx="1438183" cy="1375806"/>
-          </a:xfrm>
-          <a:prstGeom prst="roundRect">
-            <a:avLst/>
-          </a:prstGeom>
-        </p:spPr>
-        <p:style>
-          <a:lnRef idx="2">
-            <a:schemeClr val="accent1">
-              <a:shade val="50000"/>
-            </a:schemeClr>
-          </a:lnRef>
-          <a:fillRef idx="1">
-            <a:schemeClr val="accent1"/>
-          </a:fillRef>
-          <a:effectRef idx="0">
-            <a:schemeClr val="accent1"/>
-          </a:effectRef>
-          <a:fontRef idx="minor">
-            <a:schemeClr val="lt1"/>
-          </a:fontRef>
-        </p:style>
-        <p:txBody>
-          <a:bodyPr rtlCol="0" anchor="ctr"/>
-          <a:lstStyle/>
-          <a:p>
-            <a:pPr algn="ctr"/>
-            <a:r>
-              <a:rPr lang="pt-BR" sz="1000" dirty="0" err="1"/>
-              <a:t>AuthController</a:t>
-            </a:r>
-            <a:endParaRPr lang="pt-BR" sz="1000" dirty="0"/>
-          </a:p>
-          <a:p>
-            <a:pPr algn="ctr"/>
-            <a:r>
-              <a:rPr lang="pt-BR" sz="1000" dirty="0"/>
-              <a:t>[</a:t>
-            </a:r>
-            <a:r>
-              <a:rPr lang="pt-BR" sz="1000" dirty="0" err="1"/>
-              <a:t>Component</a:t>
-            </a:r>
-            <a:r>
-              <a:rPr lang="pt-BR" sz="1000" dirty="0"/>
-              <a:t>: Spring MVC </a:t>
-            </a:r>
-            <a:r>
-              <a:rPr lang="pt-BR" sz="1000" dirty="0" err="1"/>
-              <a:t>Rest</a:t>
-            </a:r>
-            <a:r>
-              <a:rPr lang="pt-BR" sz="1000" dirty="0"/>
-              <a:t> </a:t>
-            </a:r>
-            <a:r>
-              <a:rPr lang="pt-BR" sz="1000" dirty="0" err="1"/>
-              <a:t>Controller</a:t>
-            </a:r>
-            <a:r>
-              <a:rPr lang="pt-BR" sz="1000" dirty="0"/>
-              <a:t>]</a:t>
-            </a:r>
-          </a:p>
-          <a:p>
-            <a:pPr algn="ctr"/>
-            <a:endParaRPr lang="pt-BR" sz="1000" dirty="0"/>
-          </a:p>
-          <a:p>
-            <a:pPr algn="ctr"/>
-            <a:r>
-              <a:rPr lang="en-US" sz="1000" dirty="0" err="1"/>
-              <a:t>Autenticações</a:t>
-            </a:r>
-            <a:r>
-              <a:rPr lang="en-US" sz="1000" dirty="0"/>
-              <a:t> do </a:t>
-            </a:r>
-            <a:r>
-              <a:rPr lang="en-US" sz="1000" dirty="0" err="1"/>
-              <a:t>usuário</a:t>
-            </a:r>
-            <a:endParaRPr lang="pt-BR" sz="1000" dirty="0"/>
-          </a:p>
-        </p:txBody>
-      </p:sp>
-      <p:sp>
-        <p:nvSpPr>
-          <p:cNvPr id="21" name="Rectangle: Rounded Corners 20">
-            <a:extLst>
-              <a:ext uri="{FF2B5EF4-FFF2-40B4-BE49-F238E27FC236}">
-                <a16:creationId xmlns:a16="http://schemas.microsoft.com/office/drawing/2014/main" id="{056334D8-DEBA-486C-BF66-2FF51B7594EE}"/>
-              </a:ext>
-            </a:extLst>
-          </p:cNvPr>
-          <p:cNvSpPr/>
-          <p:nvPr/>
-        </p:nvSpPr>
-        <p:spPr>
-          <a:xfrm>
-            <a:off x="9813869" y="3783808"/>
-            <a:ext cx="1438183" cy="1249816"/>
-          </a:xfrm>
-          <a:prstGeom prst="roundRect">
-            <a:avLst/>
-          </a:prstGeom>
-        </p:spPr>
-        <p:style>
-          <a:lnRef idx="2">
-            <a:schemeClr val="accent1">
-              <a:shade val="50000"/>
-            </a:schemeClr>
-          </a:lnRef>
-          <a:fillRef idx="1">
-            <a:schemeClr val="accent1"/>
-          </a:fillRef>
-          <a:effectRef idx="0">
-            <a:schemeClr val="accent1"/>
-          </a:effectRef>
-          <a:fontRef idx="minor">
-            <a:schemeClr val="lt1"/>
-          </a:fontRef>
-        </p:style>
-        <p:txBody>
-          <a:bodyPr rtlCol="0" anchor="ctr"/>
-          <a:lstStyle/>
-          <a:p>
-            <a:pPr algn="ctr"/>
-            <a:endParaRPr lang="pt-BR" dirty="0"/>
-          </a:p>
-          <a:p>
-            <a:pPr algn="ctr"/>
-            <a:r>
-              <a:rPr lang="pt-BR" sz="1000" dirty="0" err="1"/>
-              <a:t>CidadeController</a:t>
-            </a:r>
-            <a:endParaRPr lang="pt-BR" sz="1000" dirty="0"/>
-          </a:p>
-          <a:p>
-            <a:pPr algn="ctr"/>
-            <a:r>
-              <a:rPr lang="pt-BR" sz="1000" dirty="0"/>
-              <a:t>[</a:t>
-            </a:r>
-            <a:r>
-              <a:rPr lang="pt-BR" sz="1000" dirty="0" err="1"/>
-              <a:t>Component</a:t>
-            </a:r>
-            <a:r>
-              <a:rPr lang="pt-BR" sz="1000" dirty="0"/>
-              <a:t>: Spring MVC </a:t>
-            </a:r>
-            <a:r>
-              <a:rPr lang="pt-BR" sz="1000" dirty="0" err="1"/>
-              <a:t>Rest</a:t>
-            </a:r>
-            <a:r>
-              <a:rPr lang="pt-BR" sz="1000" dirty="0"/>
-              <a:t> </a:t>
-            </a:r>
-            <a:r>
-              <a:rPr lang="pt-BR" sz="1000" dirty="0" err="1"/>
-              <a:t>Controller</a:t>
-            </a:r>
-            <a:r>
-              <a:rPr lang="pt-BR" sz="1000" dirty="0"/>
-              <a:t>]</a:t>
-            </a:r>
-          </a:p>
-          <a:p>
-            <a:pPr algn="ctr"/>
-            <a:endParaRPr lang="pt-BR" sz="1000" dirty="0"/>
-          </a:p>
-          <a:p>
-            <a:pPr algn="ctr"/>
-            <a:r>
-              <a:rPr lang="pt-PT" altLang="en-US" sz="1000" dirty="0"/>
-              <a:t>Retorna a cidade do cadastro na combo box</a:t>
-            </a:r>
-          </a:p>
-          <a:p>
-            <a:pPr algn="ctr"/>
-            <a:endParaRPr lang="en-US" dirty="0"/>
-          </a:p>
-        </p:txBody>
-      </p:sp>
-      <p:sp>
-        <p:nvSpPr>
-          <p:cNvPr id="23" name="Rectangle: Rounded Corners 22">
-            <a:extLst>
-              <a:ext uri="{FF2B5EF4-FFF2-40B4-BE49-F238E27FC236}">
-                <a16:creationId xmlns:a16="http://schemas.microsoft.com/office/drawing/2014/main" id="{2C4BA37F-413A-4B1E-9D10-27EAA895BED1}"/>
-              </a:ext>
-            </a:extLst>
-          </p:cNvPr>
-          <p:cNvSpPr/>
-          <p:nvPr/>
-        </p:nvSpPr>
-        <p:spPr>
-          <a:xfrm>
-            <a:off x="7814683" y="4634144"/>
-            <a:ext cx="1438183" cy="1385861"/>
-          </a:xfrm>
-          <a:prstGeom prst="roundRect">
-            <a:avLst/>
-          </a:prstGeom>
-        </p:spPr>
-        <p:style>
-          <a:lnRef idx="2">
-            <a:schemeClr val="accent1">
-              <a:shade val="50000"/>
-            </a:schemeClr>
-          </a:lnRef>
-          <a:fillRef idx="1">
-            <a:schemeClr val="accent1"/>
-          </a:fillRef>
-          <a:effectRef idx="0">
-            <a:schemeClr val="accent1"/>
-          </a:effectRef>
-          <a:fontRef idx="minor">
-            <a:schemeClr val="lt1"/>
-          </a:fontRef>
-        </p:style>
-        <p:txBody>
-          <a:bodyPr rtlCol="0" anchor="ctr"/>
-          <a:lstStyle/>
-          <a:p>
-            <a:pPr algn="ctr"/>
-            <a:endParaRPr lang="pt-BR" sz="1000" dirty="0"/>
-          </a:p>
-          <a:p>
-            <a:pPr algn="ctr"/>
-            <a:endParaRPr lang="pt-BR" sz="1000" dirty="0"/>
-          </a:p>
-          <a:p>
-            <a:pPr algn="ctr"/>
-            <a:r>
-              <a:rPr lang="pt-BR" sz="1000" dirty="0" err="1"/>
-              <a:t>EnderecoController</a:t>
-            </a:r>
-            <a:endParaRPr lang="pt-BR" sz="1000" dirty="0"/>
-          </a:p>
-          <a:p>
-            <a:pPr algn="ctr"/>
-            <a:r>
-              <a:rPr lang="pt-BR" sz="1000" dirty="0"/>
-              <a:t>[</a:t>
-            </a:r>
-            <a:r>
-              <a:rPr lang="pt-BR" sz="1000" dirty="0" err="1"/>
-              <a:t>Component</a:t>
-            </a:r>
-            <a:r>
-              <a:rPr lang="pt-BR" sz="1000" dirty="0"/>
-              <a:t>: Spring MVC </a:t>
-            </a:r>
-            <a:r>
-              <a:rPr lang="pt-BR" sz="1000" dirty="0" err="1"/>
-              <a:t>Rest</a:t>
-            </a:r>
-            <a:r>
-              <a:rPr lang="pt-BR" sz="1000" dirty="0"/>
-              <a:t> </a:t>
-            </a:r>
-            <a:r>
-              <a:rPr lang="pt-BR" sz="1000" dirty="0" err="1"/>
-              <a:t>Controller</a:t>
-            </a:r>
-            <a:r>
-              <a:rPr lang="pt-BR" sz="1000" dirty="0"/>
-              <a:t>]</a:t>
-            </a:r>
-          </a:p>
-          <a:p>
-            <a:pPr algn="ctr"/>
-            <a:endParaRPr lang="pt-BR" sz="1000" dirty="0"/>
-          </a:p>
-          <a:p>
-            <a:pPr algn="ctr"/>
-            <a:r>
-              <a:rPr lang="pt-PT" altLang="en-US" sz="1000" dirty="0"/>
-              <a:t>Recebe e informa o endereço do usuário</a:t>
-            </a:r>
-          </a:p>
-          <a:p>
-            <a:pPr algn="ctr"/>
-            <a:endParaRPr lang="en-US" dirty="0"/>
-          </a:p>
-        </p:txBody>
-      </p:sp>
-      <p:sp>
-        <p:nvSpPr>
-          <p:cNvPr id="25" name="Rectangle: Rounded Corners 24">
-            <a:extLst>
-              <a:ext uri="{FF2B5EF4-FFF2-40B4-BE49-F238E27FC236}">
-                <a16:creationId xmlns:a16="http://schemas.microsoft.com/office/drawing/2014/main" id="{7C8A6562-F363-4C44-9548-13CC187E4A40}"/>
-              </a:ext>
-            </a:extLst>
-          </p:cNvPr>
-          <p:cNvSpPr/>
-          <p:nvPr/>
-        </p:nvSpPr>
-        <p:spPr>
-          <a:xfrm>
-            <a:off x="5815500" y="4030462"/>
-            <a:ext cx="1718683" cy="1989544"/>
-          </a:xfrm>
-          <a:prstGeom prst="roundRect">
-            <a:avLst/>
-          </a:prstGeom>
-        </p:spPr>
-        <p:style>
-          <a:lnRef idx="2">
-            <a:schemeClr val="accent1">
-              <a:shade val="50000"/>
-            </a:schemeClr>
-          </a:lnRef>
-          <a:fillRef idx="1">
-            <a:schemeClr val="accent1"/>
-          </a:fillRef>
-          <a:effectRef idx="0">
-            <a:schemeClr val="accent1"/>
-          </a:effectRef>
-          <a:fontRef idx="minor">
-            <a:schemeClr val="lt1"/>
-          </a:fontRef>
-        </p:style>
-        <p:txBody>
-          <a:bodyPr rtlCol="0" anchor="ctr"/>
-          <a:lstStyle/>
-          <a:p>
-            <a:pPr algn="ctr"/>
-            <a:endParaRPr lang="pt-BR" dirty="0"/>
-          </a:p>
-          <a:p>
-            <a:pPr algn="ctr"/>
-            <a:r>
-              <a:rPr lang="pt-BR" sz="1000" dirty="0" err="1"/>
-              <a:t>UsuarioFisicoController</a:t>
-            </a:r>
-            <a:endParaRPr lang="pt-BR" sz="1000" dirty="0"/>
-          </a:p>
-          <a:p>
-            <a:pPr algn="ctr"/>
-            <a:r>
-              <a:rPr lang="pt-BR" sz="1000" dirty="0"/>
-              <a:t>[</a:t>
-            </a:r>
-            <a:r>
-              <a:rPr lang="pt-BR" sz="1000" dirty="0" err="1"/>
-              <a:t>Component</a:t>
-            </a:r>
-            <a:r>
-              <a:rPr lang="pt-BR" sz="1000" dirty="0"/>
-              <a:t>: Spring MVC </a:t>
-            </a:r>
-            <a:r>
-              <a:rPr lang="pt-BR" sz="1000" dirty="0" err="1"/>
-              <a:t>Rest</a:t>
-            </a:r>
-            <a:r>
-              <a:rPr lang="pt-BR" sz="1000" dirty="0"/>
-              <a:t> </a:t>
-            </a:r>
-            <a:r>
-              <a:rPr lang="pt-BR" sz="1000" dirty="0" err="1"/>
-              <a:t>Controller</a:t>
-            </a:r>
-            <a:r>
-              <a:rPr lang="pt-BR" sz="1000" dirty="0"/>
-              <a:t>]</a:t>
-            </a:r>
-          </a:p>
-          <a:p>
-            <a:pPr algn="ctr"/>
-            <a:endParaRPr lang="pt-BR" sz="1000" dirty="0"/>
-          </a:p>
-          <a:p>
-            <a:pPr algn="ctr"/>
-            <a:r>
-              <a:rPr lang="pt-PT" altLang="en-US" sz="1000" dirty="0"/>
-              <a:t>Faz a parte de cadastro do usuário fisico, alterações no cadastro e fila para recebimento de e-mails</a:t>
-            </a:r>
-          </a:p>
-          <a:p>
-            <a:pPr algn="ctr"/>
-            <a:endParaRPr lang="en-US" dirty="0"/>
-          </a:p>
-        </p:txBody>
-      </p:sp>
-      <p:sp>
-        <p:nvSpPr>
-          <p:cNvPr id="27" name="Rectangle: Rounded Corners 26">
-            <a:extLst>
-              <a:ext uri="{FF2B5EF4-FFF2-40B4-BE49-F238E27FC236}">
-                <a16:creationId xmlns:a16="http://schemas.microsoft.com/office/drawing/2014/main" id="{BDF4E510-9802-44AC-8DAF-0C0573499F0D}"/>
-              </a:ext>
-            </a:extLst>
-          </p:cNvPr>
-          <p:cNvSpPr/>
-          <p:nvPr/>
-        </p:nvSpPr>
-        <p:spPr>
-          <a:xfrm>
-            <a:off x="3925788" y="4030461"/>
-            <a:ext cx="1718683" cy="1989544"/>
-          </a:xfrm>
-          <a:prstGeom prst="roundRect">
-            <a:avLst/>
-          </a:prstGeom>
-        </p:spPr>
-        <p:style>
-          <a:lnRef idx="2">
-            <a:schemeClr val="accent1">
-              <a:shade val="50000"/>
-            </a:schemeClr>
-          </a:lnRef>
-          <a:fillRef idx="1">
-            <a:schemeClr val="accent1"/>
-          </a:fillRef>
-          <a:effectRef idx="0">
-            <a:schemeClr val="accent1"/>
-          </a:effectRef>
-          <a:fontRef idx="minor">
-            <a:schemeClr val="lt1"/>
-          </a:fontRef>
-        </p:style>
-        <p:txBody>
-          <a:bodyPr rtlCol="0" anchor="ctr"/>
-          <a:lstStyle/>
-          <a:p>
-            <a:pPr algn="ctr"/>
-            <a:endParaRPr lang="pt-BR" dirty="0"/>
-          </a:p>
-          <a:p>
-            <a:pPr algn="ctr"/>
-            <a:r>
-              <a:rPr lang="pt-BR" sz="1000" dirty="0" err="1"/>
-              <a:t>UsuarioJuridicoController</a:t>
-            </a:r>
-            <a:endParaRPr lang="pt-BR" sz="1000" dirty="0"/>
-          </a:p>
-          <a:p>
-            <a:pPr algn="ctr"/>
-            <a:r>
-              <a:rPr lang="pt-BR" sz="1000" dirty="0"/>
-              <a:t>[</a:t>
-            </a:r>
-            <a:r>
-              <a:rPr lang="pt-BR" sz="1000" dirty="0" err="1"/>
-              <a:t>Component</a:t>
-            </a:r>
-            <a:r>
-              <a:rPr lang="pt-BR" sz="1000" dirty="0"/>
-              <a:t>: Spring MVC </a:t>
-            </a:r>
-            <a:r>
-              <a:rPr lang="pt-BR" sz="1000" dirty="0" err="1"/>
-              <a:t>Rest</a:t>
-            </a:r>
-            <a:r>
-              <a:rPr lang="pt-BR" sz="1000" dirty="0"/>
-              <a:t> </a:t>
-            </a:r>
-            <a:r>
-              <a:rPr lang="pt-BR" sz="1000" dirty="0" err="1"/>
-              <a:t>Controller</a:t>
-            </a:r>
-            <a:r>
-              <a:rPr lang="pt-BR" sz="1000" dirty="0"/>
-              <a:t>]</a:t>
-            </a:r>
-          </a:p>
-          <a:p>
-            <a:pPr algn="ctr"/>
-            <a:endParaRPr lang="pt-BR" sz="1000" dirty="0"/>
-          </a:p>
-          <a:p>
-            <a:pPr algn="ctr"/>
-            <a:r>
-              <a:rPr lang="pt-PT" altLang="en-US" sz="1000" dirty="0"/>
-              <a:t>Faz a parte de cadastro do usuário juridico, alterações no cadastro e fila para recebimento de e-mails</a:t>
-            </a:r>
-          </a:p>
-          <a:p>
-            <a:pPr algn="ctr"/>
-            <a:endParaRPr lang="en-US" dirty="0"/>
-          </a:p>
-        </p:txBody>
-      </p:sp>
-      <p:sp>
-        <p:nvSpPr>
-          <p:cNvPr id="28" name="Rectangle: Rounded Corners 27">
-            <a:extLst>
-              <a:ext uri="{FF2B5EF4-FFF2-40B4-BE49-F238E27FC236}">
-                <a16:creationId xmlns:a16="http://schemas.microsoft.com/office/drawing/2014/main" id="{751D4686-9B63-434D-9EFD-1980D01C5C9F}"/>
-              </a:ext>
-            </a:extLst>
-          </p:cNvPr>
-          <p:cNvSpPr/>
-          <p:nvPr/>
-        </p:nvSpPr>
-        <p:spPr>
-          <a:xfrm>
-            <a:off x="3392964" y="1818835"/>
-            <a:ext cx="1438183" cy="1749682"/>
-          </a:xfrm>
-          <a:prstGeom prst="roundRect">
-            <a:avLst/>
-          </a:prstGeom>
-        </p:spPr>
-        <p:style>
-          <a:lnRef idx="2">
-            <a:schemeClr val="accent1">
-              <a:shade val="50000"/>
-            </a:schemeClr>
-          </a:lnRef>
-          <a:fillRef idx="1">
-            <a:schemeClr val="accent1"/>
-          </a:fillRef>
-          <a:effectRef idx="0">
-            <a:schemeClr val="accent1"/>
-          </a:effectRef>
-          <a:fontRef idx="minor">
-            <a:schemeClr val="lt1"/>
-          </a:fontRef>
-        </p:style>
-        <p:txBody>
-          <a:bodyPr rtlCol="0" anchor="ctr"/>
-          <a:lstStyle/>
-          <a:p>
-            <a:pPr algn="ctr"/>
-            <a:endParaRPr lang="pt-BR" dirty="0"/>
-          </a:p>
-          <a:p>
-            <a:pPr algn="ctr"/>
-            <a:r>
-              <a:rPr lang="pt-BR" sz="1000" dirty="0" err="1"/>
-              <a:t>VagaController</a:t>
-            </a:r>
-            <a:endParaRPr lang="pt-BR" sz="1000" dirty="0"/>
-          </a:p>
-          <a:p>
-            <a:pPr algn="ctr"/>
-            <a:r>
-              <a:rPr lang="pt-BR" sz="1000" dirty="0"/>
-              <a:t>[</a:t>
-            </a:r>
-            <a:r>
-              <a:rPr lang="pt-BR" sz="1000" dirty="0" err="1"/>
-              <a:t>Component</a:t>
-            </a:r>
-            <a:r>
-              <a:rPr lang="pt-BR" sz="1000" dirty="0"/>
-              <a:t>: Spring MVC </a:t>
-            </a:r>
-            <a:r>
-              <a:rPr lang="pt-BR" sz="1000" dirty="0" err="1"/>
-              <a:t>Rest</a:t>
-            </a:r>
-            <a:r>
-              <a:rPr lang="pt-BR" sz="1000" dirty="0"/>
-              <a:t> </a:t>
-            </a:r>
-            <a:r>
-              <a:rPr lang="pt-BR" sz="1000" dirty="0" err="1"/>
-              <a:t>Controller</a:t>
-            </a:r>
-            <a:r>
-              <a:rPr lang="pt-BR" sz="1000" dirty="0"/>
-              <a:t>]</a:t>
-            </a:r>
-          </a:p>
-          <a:p>
-            <a:pPr algn="ctr"/>
-            <a:endParaRPr lang="pt-BR" sz="1000" dirty="0"/>
-          </a:p>
-          <a:p>
-            <a:pPr algn="ctr"/>
-            <a:r>
-              <a:rPr lang="pt-PT" altLang="en-US" sz="1000" dirty="0"/>
-              <a:t>Criar, consultar e fazer alterações nas vagas cadastradas no site</a:t>
-            </a:r>
-          </a:p>
-          <a:p>
-            <a:pPr algn="ctr"/>
-            <a:endParaRPr lang="en-US" dirty="0"/>
-          </a:p>
-        </p:txBody>
-      </p:sp>
-      <p:cxnSp>
-        <p:nvCxnSpPr>
-          <p:cNvPr id="35" name="Connector: Elbow 34">
-            <a:extLst>
-              <a:ext uri="{FF2B5EF4-FFF2-40B4-BE49-F238E27FC236}">
-                <a16:creationId xmlns:a16="http://schemas.microsoft.com/office/drawing/2014/main" id="{4EC95895-D16B-4204-B01F-D2BB0B15767E}"/>
-              </a:ext>
-            </a:extLst>
-          </p:cNvPr>
-          <p:cNvCxnSpPr>
-            <a:stCxn id="28" idx="3"/>
-            <a:endCxn id="20" idx="2"/>
-          </p:cNvCxnSpPr>
-          <p:nvPr/>
-        </p:nvCxnSpPr>
-        <p:spPr>
-          <a:xfrm>
-            <a:off x="4831147" y="2693676"/>
-            <a:ext cx="2264445" cy="117381"/>
-          </a:xfrm>
-          <a:prstGeom prst="bentConnector4">
-            <a:avLst>
-              <a:gd name="adj1" fmla="val 34122"/>
-              <a:gd name="adj2" fmla="val 294750"/>
-            </a:avLst>
-          </a:prstGeom>
-          <a:ln>
-            <a:tailEnd type="triangle"/>
-          </a:ln>
-        </p:spPr>
-        <p:style>
-          <a:lnRef idx="1">
-            <a:schemeClr val="accent1"/>
-          </a:lnRef>
-          <a:fillRef idx="0">
-            <a:schemeClr val="accent1"/>
-          </a:fillRef>
-          <a:effectRef idx="0">
-            <a:schemeClr val="accent1"/>
-          </a:effectRef>
-          <a:fontRef idx="minor">
-            <a:schemeClr val="tx1"/>
-          </a:fontRef>
-        </p:style>
-      </p:cxnSp>
-      <p:cxnSp>
-        <p:nvCxnSpPr>
-          <p:cNvPr id="39" name="Connector: Elbow 38">
-            <a:extLst>
-              <a:ext uri="{FF2B5EF4-FFF2-40B4-BE49-F238E27FC236}">
-                <a16:creationId xmlns:a16="http://schemas.microsoft.com/office/drawing/2014/main" id="{813E9958-DD78-426B-BAE8-6073D53D1C58}"/>
-              </a:ext>
-            </a:extLst>
-          </p:cNvPr>
-          <p:cNvCxnSpPr>
-            <a:cxnSpLocks/>
-          </p:cNvCxnSpPr>
-          <p:nvPr/>
-        </p:nvCxnSpPr>
-        <p:spPr>
-          <a:xfrm rot="5400000" flipH="1" flipV="1">
-            <a:off x="5320273" y="2265528"/>
-            <a:ext cx="1219404" cy="2310462"/>
-          </a:xfrm>
-          <a:prstGeom prst="bentConnector3">
-            <a:avLst/>
-          </a:prstGeom>
-          <a:ln>
-            <a:tailEnd type="triangle"/>
-          </a:ln>
-        </p:spPr>
-        <p:style>
-          <a:lnRef idx="1">
-            <a:schemeClr val="accent1"/>
-          </a:lnRef>
-          <a:fillRef idx="0">
-            <a:schemeClr val="accent1"/>
-          </a:fillRef>
-          <a:effectRef idx="0">
-            <a:schemeClr val="accent1"/>
-          </a:effectRef>
-          <a:fontRef idx="minor">
-            <a:schemeClr val="tx1"/>
-          </a:fontRef>
-        </p:style>
-      </p:cxnSp>
-      <p:cxnSp>
-        <p:nvCxnSpPr>
-          <p:cNvPr id="46" name="Connector: Elbow 45">
-            <a:extLst>
-              <a:ext uri="{FF2B5EF4-FFF2-40B4-BE49-F238E27FC236}">
-                <a16:creationId xmlns:a16="http://schemas.microsoft.com/office/drawing/2014/main" id="{DCD0D059-C6B5-4DEB-B8DC-5C6BF1C1A04E}"/>
-              </a:ext>
-            </a:extLst>
-          </p:cNvPr>
-          <p:cNvCxnSpPr>
-            <a:endCxn id="20" idx="2"/>
-          </p:cNvCxnSpPr>
-          <p:nvPr/>
-        </p:nvCxnSpPr>
-        <p:spPr>
-          <a:xfrm rot="5400000" flipH="1" flipV="1">
-            <a:off x="6275514" y="3210384"/>
-            <a:ext cx="1219404" cy="420751"/>
-          </a:xfrm>
-          <a:prstGeom prst="bentConnector3">
-            <a:avLst/>
-          </a:prstGeom>
-          <a:ln>
-            <a:tailEnd type="triangle"/>
-          </a:ln>
-        </p:spPr>
-        <p:style>
-          <a:lnRef idx="1">
-            <a:schemeClr val="accent1"/>
-          </a:lnRef>
-          <a:fillRef idx="0">
-            <a:schemeClr val="accent1"/>
-          </a:fillRef>
-          <a:effectRef idx="0">
-            <a:schemeClr val="accent1"/>
-          </a:effectRef>
-          <a:fontRef idx="minor">
-            <a:schemeClr val="tx1"/>
-          </a:fontRef>
-        </p:style>
-      </p:cxnSp>
-      <p:cxnSp>
-        <p:nvCxnSpPr>
-          <p:cNvPr id="49" name="Connector: Elbow 48">
-            <a:extLst>
-              <a:ext uri="{FF2B5EF4-FFF2-40B4-BE49-F238E27FC236}">
-                <a16:creationId xmlns:a16="http://schemas.microsoft.com/office/drawing/2014/main" id="{043D47E4-1EAC-453F-94CC-55A5D9FDBA6F}"/>
-              </a:ext>
-            </a:extLst>
-          </p:cNvPr>
-          <p:cNvCxnSpPr>
-            <a:stCxn id="23" idx="0"/>
-            <a:endCxn id="20" idx="2"/>
-          </p:cNvCxnSpPr>
-          <p:nvPr/>
-        </p:nvCxnSpPr>
-        <p:spPr>
-          <a:xfrm rot="16200000" flipV="1">
-            <a:off x="6903141" y="3003509"/>
-            <a:ext cx="1823087" cy="1438183"/>
-          </a:xfrm>
-          <a:prstGeom prst="bentConnector3">
-            <a:avLst/>
-          </a:prstGeom>
-          <a:ln>
-            <a:tailEnd type="triangle"/>
-          </a:ln>
-        </p:spPr>
-        <p:style>
-          <a:lnRef idx="1">
-            <a:schemeClr val="accent1"/>
-          </a:lnRef>
-          <a:fillRef idx="0">
-            <a:schemeClr val="accent1"/>
-          </a:fillRef>
-          <a:effectRef idx="0">
-            <a:schemeClr val="accent1"/>
-          </a:effectRef>
-          <a:fontRef idx="minor">
-            <a:schemeClr val="tx1"/>
-          </a:fontRef>
-        </p:style>
-      </p:cxnSp>
-      <p:cxnSp>
-        <p:nvCxnSpPr>
-          <p:cNvPr id="53" name="Connector: Elbow 52">
-            <a:extLst>
-              <a:ext uri="{FF2B5EF4-FFF2-40B4-BE49-F238E27FC236}">
-                <a16:creationId xmlns:a16="http://schemas.microsoft.com/office/drawing/2014/main" id="{4E204496-FD12-42A1-AE7D-FB54A2D23200}"/>
-              </a:ext>
-            </a:extLst>
-          </p:cNvPr>
-          <p:cNvCxnSpPr>
-            <a:stCxn id="21" idx="1"/>
-            <a:endCxn id="20" idx="3"/>
-          </p:cNvCxnSpPr>
-          <p:nvPr/>
-        </p:nvCxnSpPr>
-        <p:spPr>
-          <a:xfrm rot="10800000">
-            <a:off x="7814683" y="2345430"/>
-            <a:ext cx="1999186" cy="2063286"/>
-          </a:xfrm>
-          <a:prstGeom prst="bentConnector3">
-            <a:avLst>
-              <a:gd name="adj1" fmla="val 50000"/>
-            </a:avLst>
-          </a:prstGeom>
-          <a:ln>
-            <a:tailEnd type="triangle"/>
-          </a:ln>
-        </p:spPr>
-        <p:style>
-          <a:lnRef idx="1">
-            <a:schemeClr val="accent1"/>
-          </a:lnRef>
-          <a:fillRef idx="0">
-            <a:schemeClr val="accent1"/>
-          </a:fillRef>
-          <a:effectRef idx="0">
-            <a:schemeClr val="accent1"/>
-          </a:effectRef>
-          <a:fontRef idx="minor">
-            <a:schemeClr val="tx1"/>
-          </a:fontRef>
-        </p:style>
-      </p:cxnSp>
-      <p:cxnSp>
-        <p:nvCxnSpPr>
-          <p:cNvPr id="58" name="Connector: Elbow 57">
-            <a:extLst>
-              <a:ext uri="{FF2B5EF4-FFF2-40B4-BE49-F238E27FC236}">
-                <a16:creationId xmlns:a16="http://schemas.microsoft.com/office/drawing/2014/main" id="{46A7A806-9446-4AF8-8569-F52E9D4C2EEF}"/>
-              </a:ext>
-            </a:extLst>
-          </p:cNvPr>
-          <p:cNvCxnSpPr>
-            <a:stCxn id="19" idx="1"/>
-          </p:cNvCxnSpPr>
-          <p:nvPr/>
-        </p:nvCxnSpPr>
-        <p:spPr>
-          <a:xfrm rot="10800000">
-            <a:off x="7814684" y="2345430"/>
-            <a:ext cx="2162379" cy="161309"/>
-          </a:xfrm>
-          <a:prstGeom prst="bentConnector3">
-            <a:avLst/>
-          </a:prstGeom>
-          <a:ln>
-            <a:tailEnd type="triangle"/>
-          </a:ln>
-        </p:spPr>
-        <p:style>
-          <a:lnRef idx="1">
-            <a:schemeClr val="accent1"/>
-          </a:lnRef>
-          <a:fillRef idx="0">
-            <a:schemeClr val="accent1"/>
-          </a:fillRef>
-          <a:effectRef idx="0">
-            <a:schemeClr val="accent1"/>
-          </a:effectRef>
-          <a:fontRef idx="minor">
-            <a:schemeClr val="tx1"/>
-          </a:fontRef>
-        </p:style>
-      </p:cxnSp>
-      <p:cxnSp>
-        <p:nvCxnSpPr>
-          <p:cNvPr id="60" name="Connector: Elbow 59">
-            <a:extLst>
-              <a:ext uri="{FF2B5EF4-FFF2-40B4-BE49-F238E27FC236}">
-                <a16:creationId xmlns:a16="http://schemas.microsoft.com/office/drawing/2014/main" id="{AF443BBC-B377-48DB-9881-B41FEAE29A2D}"/>
-              </a:ext>
-            </a:extLst>
-          </p:cNvPr>
-          <p:cNvCxnSpPr>
-            <a:endCxn id="20" idx="0"/>
-          </p:cNvCxnSpPr>
-          <p:nvPr/>
-        </p:nvCxnSpPr>
-        <p:spPr>
-          <a:xfrm rot="10800000" flipV="1">
-            <a:off x="7095593" y="1064042"/>
-            <a:ext cx="2678723" cy="815759"/>
-          </a:xfrm>
-          <a:prstGeom prst="bentConnector2">
-            <a:avLst/>
-          </a:prstGeom>
-          <a:ln>
-            <a:tailEnd type="triangle"/>
-          </a:ln>
-        </p:spPr>
-        <p:style>
-          <a:lnRef idx="1">
-            <a:schemeClr val="accent1"/>
-          </a:lnRef>
-          <a:fillRef idx="0">
-            <a:schemeClr val="accent1"/>
-          </a:fillRef>
-          <a:effectRef idx="0">
-            <a:schemeClr val="accent1"/>
-          </a:effectRef>
-          <a:fontRef idx="minor">
-            <a:schemeClr val="tx1"/>
-          </a:fontRef>
-        </p:style>
-      </p:cxnSp>
-      <p:cxnSp>
-        <p:nvCxnSpPr>
-          <p:cNvPr id="66" name="Connector: Elbow 65">
-            <a:extLst>
-              <a:ext uri="{FF2B5EF4-FFF2-40B4-BE49-F238E27FC236}">
-                <a16:creationId xmlns:a16="http://schemas.microsoft.com/office/drawing/2014/main" id="{95C3A2F0-F184-48EA-A647-C9164745E6A2}"/>
-              </a:ext>
-            </a:extLst>
-          </p:cNvPr>
-          <p:cNvCxnSpPr>
-            <a:stCxn id="47" idx="0"/>
-            <a:endCxn id="28" idx="1"/>
-          </p:cNvCxnSpPr>
-          <p:nvPr/>
-        </p:nvCxnSpPr>
-        <p:spPr>
-          <a:xfrm rot="5400000" flipH="1" flipV="1">
-            <a:off x="1813481" y="2578012"/>
-            <a:ext cx="1463819" cy="1695148"/>
-          </a:xfrm>
-          <a:prstGeom prst="bentConnector2">
-            <a:avLst/>
-          </a:prstGeom>
-          <a:ln>
-            <a:tailEnd type="triangle"/>
-          </a:ln>
-        </p:spPr>
-        <p:style>
-          <a:lnRef idx="1">
-            <a:schemeClr val="accent1"/>
-          </a:lnRef>
-          <a:fillRef idx="0">
-            <a:schemeClr val="accent1"/>
-          </a:fillRef>
-          <a:effectRef idx="0">
-            <a:schemeClr val="accent1"/>
-          </a:effectRef>
-          <a:fontRef idx="minor">
-            <a:schemeClr val="tx1"/>
-          </a:fontRef>
-        </p:style>
-      </p:cxnSp>
-      <p:cxnSp>
-        <p:nvCxnSpPr>
-          <p:cNvPr id="69" name="Connector: Elbow 68">
-            <a:extLst>
-              <a:ext uri="{FF2B5EF4-FFF2-40B4-BE49-F238E27FC236}">
-                <a16:creationId xmlns:a16="http://schemas.microsoft.com/office/drawing/2014/main" id="{BCD634A5-A7CF-4156-8359-33BB6F8BF413}"/>
-              </a:ext>
-            </a:extLst>
-          </p:cNvPr>
-          <p:cNvCxnSpPr>
-            <a:stCxn id="47" idx="3"/>
-            <a:endCxn id="27" idx="1"/>
-          </p:cNvCxnSpPr>
-          <p:nvPr/>
-        </p:nvCxnSpPr>
-        <p:spPr>
-          <a:xfrm flipV="1">
-            <a:off x="2670432" y="5025233"/>
-            <a:ext cx="1255356" cy="305301"/>
-          </a:xfrm>
-          <a:prstGeom prst="bentConnector3">
-            <a:avLst/>
-          </a:prstGeom>
-          <a:ln>
-            <a:tailEnd type="triangle"/>
-          </a:ln>
-        </p:spPr>
-        <p:style>
-          <a:lnRef idx="1">
-            <a:schemeClr val="accent1"/>
-          </a:lnRef>
-          <a:fillRef idx="0">
-            <a:schemeClr val="accent1"/>
-          </a:fillRef>
-          <a:effectRef idx="0">
-            <a:schemeClr val="accent1"/>
-          </a:effectRef>
-          <a:fontRef idx="minor">
-            <a:schemeClr val="tx1"/>
-          </a:fontRef>
-        </p:style>
-      </p:cxnSp>
-      <p:cxnSp>
-        <p:nvCxnSpPr>
-          <p:cNvPr id="73" name="Connector: Elbow 72">
-            <a:extLst>
-              <a:ext uri="{FF2B5EF4-FFF2-40B4-BE49-F238E27FC236}">
-                <a16:creationId xmlns:a16="http://schemas.microsoft.com/office/drawing/2014/main" id="{4B1C79A6-D2CB-4DF4-814F-D5E442D912B4}"/>
-              </a:ext>
-            </a:extLst>
-          </p:cNvPr>
-          <p:cNvCxnSpPr>
-            <a:stCxn id="47" idx="2"/>
-            <a:endCxn id="25" idx="2"/>
-          </p:cNvCxnSpPr>
-          <p:nvPr/>
-        </p:nvCxnSpPr>
-        <p:spPr>
-          <a:xfrm rot="5400000" flipH="1" flipV="1">
-            <a:off x="3944546" y="3773276"/>
-            <a:ext cx="483566" cy="4977026"/>
-          </a:xfrm>
-          <a:prstGeom prst="bentConnector3">
-            <a:avLst>
-              <a:gd name="adj1" fmla="val -47274"/>
-            </a:avLst>
-          </a:prstGeom>
-          <a:ln>
-            <a:tailEnd type="triangle"/>
-          </a:ln>
-        </p:spPr>
-        <p:style>
-          <a:lnRef idx="1">
-            <a:schemeClr val="accent1"/>
-          </a:lnRef>
-          <a:fillRef idx="0">
-            <a:schemeClr val="accent1"/>
-          </a:fillRef>
-          <a:effectRef idx="0">
-            <a:schemeClr val="accent1"/>
-          </a:effectRef>
-          <a:fontRef idx="minor">
-            <a:schemeClr val="tx1"/>
-          </a:fontRef>
-        </p:style>
-      </p:cxnSp>
-      <p:cxnSp>
-        <p:nvCxnSpPr>
-          <p:cNvPr id="75" name="Connector: Elbow 74">
-            <a:extLst>
-              <a:ext uri="{FF2B5EF4-FFF2-40B4-BE49-F238E27FC236}">
-                <a16:creationId xmlns:a16="http://schemas.microsoft.com/office/drawing/2014/main" id="{311317F6-FBE2-4CBE-B759-6DE77CD3C850}"/>
-              </a:ext>
-            </a:extLst>
-          </p:cNvPr>
-          <p:cNvCxnSpPr>
-            <a:stCxn id="47" idx="2"/>
-            <a:endCxn id="23" idx="2"/>
-          </p:cNvCxnSpPr>
-          <p:nvPr/>
-        </p:nvCxnSpPr>
-        <p:spPr>
-          <a:xfrm rot="5400000" flipH="1" flipV="1">
-            <a:off x="4874011" y="2843809"/>
-            <a:ext cx="483567" cy="6835959"/>
-          </a:xfrm>
-          <a:prstGeom prst="bentConnector3">
-            <a:avLst>
-              <a:gd name="adj1" fmla="val -47274"/>
-            </a:avLst>
-          </a:prstGeom>
-          <a:ln>
-            <a:tailEnd type="triangle"/>
-          </a:ln>
-        </p:spPr>
-        <p:style>
-          <a:lnRef idx="1">
-            <a:schemeClr val="accent1"/>
-          </a:lnRef>
-          <a:fillRef idx="0">
-            <a:schemeClr val="accent1"/>
-          </a:fillRef>
-          <a:effectRef idx="0">
-            <a:schemeClr val="accent1"/>
-          </a:effectRef>
-          <a:fontRef idx="minor">
-            <a:schemeClr val="tx1"/>
-          </a:fontRef>
-        </p:style>
-      </p:cxnSp>
-      <p:cxnSp>
-        <p:nvCxnSpPr>
-          <p:cNvPr id="77" name="Connector: Elbow 76">
-            <a:extLst>
-              <a:ext uri="{FF2B5EF4-FFF2-40B4-BE49-F238E27FC236}">
-                <a16:creationId xmlns:a16="http://schemas.microsoft.com/office/drawing/2014/main" id="{4B8AC9A1-2395-4050-B23E-D7505FFB5BBC}"/>
-              </a:ext>
-            </a:extLst>
-          </p:cNvPr>
-          <p:cNvCxnSpPr>
-            <a:stCxn id="47" idx="2"/>
-            <a:endCxn id="21" idx="2"/>
-          </p:cNvCxnSpPr>
-          <p:nvPr/>
-        </p:nvCxnSpPr>
-        <p:spPr>
-          <a:xfrm rot="5400000" flipH="1" flipV="1">
-            <a:off x="5380414" y="1351025"/>
-            <a:ext cx="1469948" cy="8835145"/>
-          </a:xfrm>
-          <a:prstGeom prst="bentConnector3">
-            <a:avLst>
-              <a:gd name="adj1" fmla="val -15552"/>
-            </a:avLst>
-          </a:prstGeom>
-          <a:ln>
-            <a:tailEnd type="triangle"/>
-          </a:ln>
-        </p:spPr>
-        <p:style>
-          <a:lnRef idx="1">
-            <a:schemeClr val="accent1"/>
-          </a:lnRef>
-          <a:fillRef idx="0">
-            <a:schemeClr val="accent1"/>
-          </a:fillRef>
-          <a:effectRef idx="0">
-            <a:schemeClr val="accent1"/>
-          </a:effectRef>
-          <a:fontRef idx="minor">
-            <a:schemeClr val="tx1"/>
-          </a:fontRef>
-        </p:style>
-      </p:cxnSp>
-      <p:cxnSp>
-        <p:nvCxnSpPr>
-          <p:cNvPr id="86" name="Connector: Elbow 85">
-            <a:extLst>
-              <a:ext uri="{FF2B5EF4-FFF2-40B4-BE49-F238E27FC236}">
-                <a16:creationId xmlns:a16="http://schemas.microsoft.com/office/drawing/2014/main" id="{297F32E0-2C3A-4EC3-BCE5-9E0FEFD6AE1F}"/>
-              </a:ext>
-            </a:extLst>
-          </p:cNvPr>
-          <p:cNvCxnSpPr>
-            <a:stCxn id="47" idx="2"/>
-            <a:endCxn id="19" idx="3"/>
-          </p:cNvCxnSpPr>
-          <p:nvPr/>
-        </p:nvCxnSpPr>
-        <p:spPr>
-          <a:xfrm rot="5400000" flipH="1" flipV="1">
-            <a:off x="4558113" y="-353560"/>
-            <a:ext cx="3996834" cy="9717429"/>
-          </a:xfrm>
-          <a:prstGeom prst="bentConnector4">
-            <a:avLst>
-              <a:gd name="adj1" fmla="val -5720"/>
-              <a:gd name="adj2" fmla="val 102352"/>
-            </a:avLst>
-          </a:prstGeom>
-          <a:ln>
-            <a:tailEnd type="triangle"/>
-          </a:ln>
-        </p:spPr>
-        <p:style>
-          <a:lnRef idx="1">
-            <a:schemeClr val="accent1"/>
-          </a:lnRef>
-          <a:fillRef idx="0">
-            <a:schemeClr val="accent1"/>
-          </a:fillRef>
-          <a:effectRef idx="0">
-            <a:schemeClr val="accent1"/>
-          </a:effectRef>
-          <a:fontRef idx="minor">
-            <a:schemeClr val="tx1"/>
-          </a:fontRef>
-        </p:style>
-      </p:cxnSp>
-      <p:cxnSp>
-        <p:nvCxnSpPr>
-          <p:cNvPr id="88" name="Connector: Elbow 87">
-            <a:extLst>
-              <a:ext uri="{FF2B5EF4-FFF2-40B4-BE49-F238E27FC236}">
-                <a16:creationId xmlns:a16="http://schemas.microsoft.com/office/drawing/2014/main" id="{4E88F863-EAB7-441C-9A66-5833F34BEAE5}"/>
-              </a:ext>
-            </a:extLst>
-          </p:cNvPr>
-          <p:cNvCxnSpPr>
-            <a:stCxn id="47" idx="2"/>
-            <a:endCxn id="18" idx="3"/>
-          </p:cNvCxnSpPr>
-          <p:nvPr/>
-        </p:nvCxnSpPr>
-        <p:spPr>
-          <a:xfrm rot="5400000" flipH="1" flipV="1">
-            <a:off x="3854882" y="-1093022"/>
-            <a:ext cx="5439528" cy="9753660"/>
-          </a:xfrm>
-          <a:prstGeom prst="bentConnector4">
-            <a:avLst>
-              <a:gd name="adj1" fmla="val -4203"/>
-              <a:gd name="adj2" fmla="val 102344"/>
-            </a:avLst>
-          </a:prstGeom>
-          <a:ln>
-            <a:tailEnd type="triangle"/>
-          </a:ln>
-        </p:spPr>
-        <p:style>
-          <a:lnRef idx="1">
-            <a:schemeClr val="accent1"/>
-          </a:lnRef>
-          <a:fillRef idx="0">
-            <a:schemeClr val="accent1"/>
-          </a:fillRef>
-          <a:effectRef idx="0">
-            <a:schemeClr val="accent1"/>
-          </a:effectRef>
-          <a:fontRef idx="minor">
-            <a:schemeClr val="tx1"/>
-          </a:fontRef>
-        </p:style>
-      </p:cxnSp>
+      </p:pic>
     </p:spTree>
+    <p:extLst>
+      <p:ext uri="{BB962C8B-B14F-4D97-AF65-F5344CB8AC3E}">
+        <p14:creationId xmlns:p14="http://schemas.microsoft.com/office/powerpoint/2010/main" val="2703859157"/>
+      </p:ext>
+    </p:extLst>
   </p:cSld>
   <p:clrMapOvr>
     <a:masterClrMapping/>
